--- a/機器學習-專案管理文件_許登雄.pptx
+++ b/機器學習-專案管理文件_許登雄.pptx
@@ -5,10 +5,10 @@
     <p:sldMasterId id="2147483924" r:id="rId1"/>
   </p:sldMasterIdLst>
   <p:notesMasterIdLst>
-    <p:notesMasterId r:id="rId22"/>
+    <p:notesMasterId r:id="rId23"/>
   </p:notesMasterIdLst>
   <p:handoutMasterIdLst>
-    <p:handoutMasterId r:id="rId23"/>
+    <p:handoutMasterId r:id="rId24"/>
   </p:handoutMasterIdLst>
   <p:sldIdLst>
     <p:sldId id="268" r:id="rId2"/>
@@ -30,7 +30,8 @@
     <p:sldId id="296" r:id="rId18"/>
     <p:sldId id="291" r:id="rId19"/>
     <p:sldId id="290" r:id="rId20"/>
-    <p:sldId id="281" r:id="rId21"/>
+    <p:sldId id="297" r:id="rId21"/>
+    <p:sldId id="281" r:id="rId22"/>
   </p:sldIdLst>
   <p:sldSz cx="12188825" cy="6858000"/>
   <p:notesSz cx="6858000" cy="9144000"/>
@@ -1943,6 +1944,101 @@
                 <a:ea typeface="Microsoft JhengHei UI" panose="020B0604030504040204" pitchFamily="34" charset="-120"/>
               </a:rPr>
               <a:t>20</a:t>
+            </a:fld>
+            <a:endParaRPr lang="zh-TW" altLang="en-US">
+              <a:latin typeface="Microsoft JhengHei UI" panose="020B0604030504040204" pitchFamily="34" charset="-120"/>
+              <a:ea typeface="Microsoft JhengHei UI" panose="020B0604030504040204" pitchFamily="34" charset="-120"/>
+            </a:endParaRPr>
+          </a:p>
+        </p:txBody>
+      </p:sp>
+    </p:spTree>
+    <p:extLst>
+      <p:ext uri="{BB962C8B-B14F-4D97-AF65-F5344CB8AC3E}">
+        <p14:creationId xmlns:p14="http://schemas.microsoft.com/office/powerpoint/2010/main" val="46575439"/>
+      </p:ext>
+    </p:extLst>
+  </p:cSld>
+  <p:clrMapOvr>
+    <a:masterClrMapping/>
+  </p:clrMapOvr>
+</p:notes>
+</file>
+
+<file path=ppt/notesSlides/notesSlide21.xml><?xml version="1.0" encoding="utf-8"?>
+<p:notes xmlns:a="http://schemas.openxmlformats.org/drawingml/2006/main" xmlns:r="http://schemas.openxmlformats.org/officeDocument/2006/relationships" xmlns:p="http://schemas.openxmlformats.org/presentationml/2006/main">
+  <p:cSld>
+    <p:spTree>
+      <p:nvGrpSpPr>
+        <p:cNvPr id="1" name=""/>
+        <p:cNvGrpSpPr/>
+        <p:nvPr/>
+      </p:nvGrpSpPr>
+      <p:grpSpPr>
+        <a:xfrm>
+          <a:off x="0" y="0"/>
+          <a:ext cx="0" cy="0"/>
+          <a:chOff x="0" y="0"/>
+          <a:chExt cx="0" cy="0"/>
+        </a:xfrm>
+      </p:grpSpPr>
+      <p:sp>
+        <p:nvSpPr>
+          <p:cNvPr id="2" name="投影片影像預留位置 1"/>
+          <p:cNvSpPr>
+            <a:spLocks noGrp="1" noRot="1" noChangeAspect="1"/>
+          </p:cNvSpPr>
+          <p:nvPr>
+            <p:ph type="sldImg"/>
+          </p:nvPr>
+        </p:nvSpPr>
+        <p:spPr/>
+      </p:sp>
+      <p:sp>
+        <p:nvSpPr>
+          <p:cNvPr id="3" name="備忘稿預留位置 2"/>
+          <p:cNvSpPr>
+            <a:spLocks noGrp="1"/>
+          </p:cNvSpPr>
+          <p:nvPr>
+            <p:ph type="body" idx="1"/>
+          </p:nvPr>
+        </p:nvSpPr>
+        <p:spPr/>
+        <p:txBody>
+          <a:bodyPr rtlCol="0"/>
+          <a:lstStyle/>
+          <a:p>
+            <a:pPr rtl="0"/>
+            <a:endParaRPr lang="zh-TW" altLang="en-US">
+              <a:latin typeface="Microsoft JhengHei UI" panose="020B0604030504040204" pitchFamily="34" charset="-120"/>
+              <a:ea typeface="Microsoft JhengHei UI" panose="020B0604030504040204" pitchFamily="34" charset="-120"/>
+            </a:endParaRPr>
+          </a:p>
+        </p:txBody>
+      </p:sp>
+      <p:sp>
+        <p:nvSpPr>
+          <p:cNvPr id="4" name="投影片編號預留位置 3"/>
+          <p:cNvSpPr>
+            <a:spLocks noGrp="1"/>
+          </p:cNvSpPr>
+          <p:nvPr>
+            <p:ph type="sldNum" sz="quarter" idx="10"/>
+          </p:nvPr>
+        </p:nvSpPr>
+        <p:spPr/>
+        <p:txBody>
+          <a:bodyPr rtlCol="0"/>
+          <a:lstStyle/>
+          <a:p>
+            <a:pPr rtl="0"/>
+            <a:fld id="{BF105DB2-FD3E-441D-8B7E-7AE83ECE27B3}" type="slidenum">
+              <a:rPr lang="en-US" altLang="zh-TW" smtClean="0">
+                <a:latin typeface="Microsoft JhengHei UI" panose="020B0604030504040204" pitchFamily="34" charset="-120"/>
+                <a:ea typeface="Microsoft JhengHei UI" panose="020B0604030504040204" pitchFamily="34" charset="-120"/>
+              </a:rPr>
+              <a:t>21</a:t>
             </a:fld>
             <a:endParaRPr lang="zh-TW" altLang="en-US">
               <a:latin typeface="Microsoft JhengHei UI" panose="020B0604030504040204" pitchFamily="34" charset="-120"/>
@@ -13529,6 +13625,323 @@
 </file>
 
 <file path=ppt/slides/slide20.xml><?xml version="1.0" encoding="utf-8"?>
+<p:sld xmlns:a="http://schemas.openxmlformats.org/drawingml/2006/main" xmlns:r="http://schemas.openxmlformats.org/officeDocument/2006/relationships" xmlns:p="http://schemas.openxmlformats.org/presentationml/2006/main">
+  <p:cSld>
+    <p:spTree>
+      <p:nvGrpSpPr>
+        <p:cNvPr id="1" name=""/>
+        <p:cNvGrpSpPr/>
+        <p:nvPr/>
+      </p:nvGrpSpPr>
+      <p:grpSpPr>
+        <a:xfrm>
+          <a:off x="0" y="0"/>
+          <a:ext cx="0" cy="0"/>
+          <a:chOff x="0" y="0"/>
+          <a:chExt cx="0" cy="0"/>
+        </a:xfrm>
+      </p:grpSpPr>
+      <p:sp>
+        <p:nvSpPr>
+          <p:cNvPr id="3" name="標題 2"/>
+          <p:cNvSpPr>
+            <a:spLocks noGrp="1"/>
+          </p:cNvSpPr>
+          <p:nvPr>
+            <p:ph type="title"/>
+          </p:nvPr>
+        </p:nvSpPr>
+        <p:spPr/>
+        <p:txBody>
+          <a:bodyPr rtlCol="0"/>
+          <a:lstStyle/>
+          <a:p>
+            <a:r>
+              <a:rPr lang="zh-TW" altLang="en-US" dirty="0">
+                <a:latin typeface="Microsoft JhengHei UI" panose="020B0604030504040204" pitchFamily="34" charset="-120"/>
+                <a:ea typeface="Microsoft JhengHei UI" panose="020B0604030504040204" pitchFamily="34" charset="-120"/>
+              </a:rPr>
+              <a:t>分析</a:t>
+            </a:r>
+            <a:r>
+              <a:rPr lang="en-US" altLang="zh-TW" dirty="0" smtClean="0">
+                <a:latin typeface="Microsoft JhengHei UI" panose="020B0604030504040204" pitchFamily="34" charset="-120"/>
+                <a:ea typeface="Microsoft JhengHei UI" panose="020B0604030504040204" pitchFamily="34" charset="-120"/>
+              </a:rPr>
+              <a:t>-</a:t>
+            </a:r>
+            <a:r>
+              <a:rPr lang="zh-TW" altLang="en-US" dirty="0">
+                <a:sym typeface="Wingdings" panose="05000000000000000000" pitchFamily="2" charset="2"/>
+              </a:rPr>
+              <a:t>密笈</a:t>
+            </a:r>
+            <a:r>
+              <a:rPr lang="zh-TW" altLang="en-US" dirty="0" smtClean="0">
+                <a:sym typeface="Wingdings" panose="05000000000000000000" pitchFamily="2" charset="2"/>
+              </a:rPr>
+              <a:t>分享</a:t>
+            </a:r>
+            <a:endParaRPr lang="zh-TW" altLang="en-US" dirty="0">
+              <a:latin typeface="Microsoft JhengHei UI" panose="020B0604030504040204" pitchFamily="34" charset="-120"/>
+              <a:ea typeface="Microsoft JhengHei UI" panose="020B0604030504040204" pitchFamily="34" charset="-120"/>
+            </a:endParaRPr>
+          </a:p>
+        </p:txBody>
+      </p:sp>
+      <p:sp>
+        <p:nvSpPr>
+          <p:cNvPr id="2" name="內容版面配置區 1"/>
+          <p:cNvSpPr>
+            <a:spLocks noGrp="1"/>
+          </p:cNvSpPr>
+          <p:nvPr>
+            <p:ph idx="1"/>
+          </p:nvPr>
+        </p:nvSpPr>
+        <p:spPr>
+          <a:xfrm>
+            <a:off x="1522876" y="1905000"/>
+            <a:ext cx="5003584" cy="3697465"/>
+          </a:xfrm>
+        </p:spPr>
+        <p:txBody>
+          <a:bodyPr rtlCol="0">
+            <a:normAutofit/>
+          </a:bodyPr>
+          <a:lstStyle/>
+          <a:p>
+            <a:r>
+              <a:rPr lang="zh-TW" altLang="en-US" dirty="0" smtClean="0">
+                <a:sym typeface="Wingdings" panose="05000000000000000000" pitchFamily="2" charset="2"/>
+              </a:rPr>
+              <a:t>樣本精準度</a:t>
+            </a:r>
+            <a:endParaRPr lang="en-US" altLang="zh-TW" dirty="0" smtClean="0">
+              <a:sym typeface="Wingdings" panose="05000000000000000000" pitchFamily="2" charset="2"/>
+            </a:endParaRPr>
+          </a:p>
+          <a:p>
+            <a:r>
+              <a:rPr lang="zh-TW" altLang="en-US" dirty="0" smtClean="0">
+                <a:sym typeface="Wingdings" panose="05000000000000000000" pitchFamily="2" charset="2"/>
+              </a:rPr>
+              <a:t>理解演算法的訓練原理</a:t>
+            </a:r>
+            <a:endParaRPr lang="en-US" altLang="zh-TW" dirty="0" smtClean="0">
+              <a:sym typeface="Wingdings" panose="05000000000000000000" pitchFamily="2" charset="2"/>
+            </a:endParaRPr>
+          </a:p>
+          <a:p>
+            <a:r>
+              <a:rPr lang="zh-TW" altLang="en-US" dirty="0" smtClean="0">
+                <a:sym typeface="Wingdings" panose="05000000000000000000" pitchFamily="2" charset="2"/>
+              </a:rPr>
+              <a:t>善用正規化等工具</a:t>
+            </a:r>
+            <a:endParaRPr lang="en-US" altLang="zh-TW" dirty="0" smtClean="0">
+              <a:sym typeface="Wingdings" panose="05000000000000000000" pitchFamily="2" charset="2"/>
+            </a:endParaRPr>
+          </a:p>
+          <a:p>
+            <a:r>
+              <a:rPr lang="zh-TW" altLang="en-US" dirty="0" smtClean="0">
+                <a:sym typeface="Wingdings" panose="05000000000000000000" pitchFamily="2" charset="2"/>
+              </a:rPr>
+              <a:t>適當的清理樣本</a:t>
+            </a:r>
+            <a:r>
+              <a:rPr lang="en-US" altLang="zh-TW" dirty="0" smtClean="0">
+                <a:sym typeface="Wingdings" panose="05000000000000000000" pitchFamily="2" charset="2"/>
+              </a:rPr>
+              <a:t>(</a:t>
+            </a:r>
+            <a:r>
+              <a:rPr lang="zh-TW" altLang="en-US" dirty="0" smtClean="0">
+                <a:sym typeface="Wingdings" panose="05000000000000000000" pitchFamily="2" charset="2"/>
+              </a:rPr>
+              <a:t>雜訊</a:t>
+            </a:r>
+            <a:r>
+              <a:rPr lang="en-US" altLang="zh-TW" dirty="0" smtClean="0">
+                <a:sym typeface="Wingdings" panose="05000000000000000000" pitchFamily="2" charset="2"/>
+              </a:rPr>
+              <a:t>)</a:t>
+            </a:r>
+          </a:p>
+          <a:p>
+            <a:endParaRPr lang="en-US" altLang="zh-TW" dirty="0" smtClean="0">
+              <a:sym typeface="Wingdings" panose="05000000000000000000" pitchFamily="2" charset="2"/>
+            </a:endParaRPr>
+          </a:p>
+          <a:p>
+            <a:endParaRPr lang="en-US" altLang="zh-TW" dirty="0">
+              <a:sym typeface="Wingdings" panose="05000000000000000000" pitchFamily="2" charset="2"/>
+            </a:endParaRPr>
+          </a:p>
+          <a:p>
+            <a:pPr marL="320040" lvl="1" indent="0">
+              <a:buNone/>
+            </a:pPr>
+            <a:endParaRPr lang="en-US" altLang="zh-TW" dirty="0"/>
+          </a:p>
+          <a:p>
+            <a:pPr marL="320040" lvl="1" indent="0">
+              <a:buNone/>
+            </a:pPr>
+            <a:endParaRPr lang="en-US" altLang="zh-TW" dirty="0"/>
+          </a:p>
+        </p:txBody>
+      </p:sp>
+      <p:sp>
+        <p:nvSpPr>
+          <p:cNvPr id="22" name="Rectangle 2"/>
+          <p:cNvSpPr>
+            <a:spLocks noChangeArrowheads="1"/>
+          </p:cNvSpPr>
+          <p:nvPr/>
+        </p:nvSpPr>
+        <p:spPr bwMode="auto">
+          <a:xfrm>
+            <a:off x="0" y="-138499"/>
+            <a:ext cx="65" cy="276999"/>
+          </a:xfrm>
+          <a:prstGeom prst="rect">
+            <a:avLst/>
+          </a:prstGeom>
+          <a:solidFill>
+            <a:srgbClr val="FFFFFF"/>
+          </a:solidFill>
+          <a:ln>
+            <a:noFill/>
+          </a:ln>
+          <a:effectLst/>
+          <a:extLst>
+            <a:ext uri="{91240B29-F687-4F45-9708-019B960494DF}">
+              <a14:hiddenLine xmlns:a14="http://schemas.microsoft.com/office/drawing/2010/main" w="9525">
+                <a:solidFill>
+                  <a:schemeClr val="tx1"/>
+                </a:solidFill>
+                <a:miter lim="800000"/>
+                <a:headEnd/>
+                <a:tailEnd/>
+              </a14:hiddenLine>
+            </a:ext>
+            <a:ext uri="{AF507438-7753-43E0-B8FC-AC1667EBCBE1}">
+              <a14:hiddenEffects xmlns:a14="http://schemas.microsoft.com/office/drawing/2010/main">
+                <a:effectLst>
+                  <a:outerShdw dist="35921" dir="2700000" algn="ctr" rotWithShape="0">
+                    <a:schemeClr val="bg2"/>
+                  </a:outerShdw>
+                </a:effectLst>
+              </a14:hiddenEffects>
+            </a:ext>
+          </a:extLst>
+        </p:spPr>
+        <p:txBody>
+          <a:bodyPr vert="horz" wrap="none" lIns="0" tIns="0" rIns="0" bIns="0" numCol="1" anchor="ctr" anchorCtr="0" compatLnSpc="1">
+            <a:prstTxWarp prst="textNoShape">
+              <a:avLst/>
+            </a:prstTxWarp>
+            <a:spAutoFit/>
+          </a:bodyPr>
+          <a:lstStyle/>
+          <a:p>
+            <a:pPr marL="0" marR="0" lvl="0" indent="0" algn="l" defTabSz="914400" rtl="0" eaLnBrk="0" fontAlgn="base" latinLnBrk="0" hangingPunct="0">
+              <a:lnSpc>
+                <a:spcPct val="100000"/>
+              </a:lnSpc>
+              <a:spcBef>
+                <a:spcPct val="0"/>
+              </a:spcBef>
+              <a:spcAft>
+                <a:spcPct val="0"/>
+              </a:spcAft>
+              <a:buClrTx/>
+              <a:buSzTx/>
+              <a:buFontTx/>
+              <a:buNone/>
+              <a:tabLst/>
+            </a:pPr>
+            <a:endParaRPr kumimoji="0" lang="zh-TW" altLang="zh-TW" sz="1800" b="0" i="0" u="none" strike="noStrike" cap="none" normalizeH="0" baseline="0" dirty="0">
+              <a:ln>
+                <a:noFill/>
+              </a:ln>
+              <a:solidFill>
+                <a:schemeClr val="tx1"/>
+              </a:solidFill>
+              <a:effectLst/>
+              <a:latin typeface="Arial" panose="020B0604020202020204" pitchFamily="34" charset="0"/>
+            </a:endParaRPr>
+          </a:p>
+        </p:txBody>
+      </p:sp>
+      <p:sp>
+        <p:nvSpPr>
+          <p:cNvPr id="13" name="文字方塊 12"/>
+          <p:cNvSpPr txBox="1"/>
+          <p:nvPr/>
+        </p:nvSpPr>
+        <p:spPr>
+          <a:xfrm>
+            <a:off x="3646140" y="5906100"/>
+            <a:ext cx="936104" cy="369332"/>
+          </a:xfrm>
+          <a:prstGeom prst="rect">
+            <a:avLst/>
+          </a:prstGeom>
+          <a:solidFill>
+            <a:schemeClr val="accent1"/>
+          </a:solidFill>
+          <a:ln>
+            <a:solidFill>
+              <a:schemeClr val="accent1">
+                <a:lumMod val="20000"/>
+                <a:lumOff val="80000"/>
+              </a:schemeClr>
+            </a:solidFill>
+          </a:ln>
+        </p:spPr>
+        <p:txBody>
+          <a:bodyPr wrap="square" rtlCol="0" anchor="ctr" anchorCtr="1">
+            <a:spAutoFit/>
+          </a:bodyPr>
+          <a:lstStyle/>
+          <a:p>
+            <a:r>
+              <a:rPr lang="en-US" altLang="zh-TW" dirty="0" smtClean="0"/>
+              <a:t>PlatX</a:t>
+            </a:r>
+            <a:endParaRPr lang="zh-TW" altLang="en-US" dirty="0" smtClean="0"/>
+          </a:p>
+        </p:txBody>
+      </p:sp>
+    </p:spTree>
+    <p:extLst>
+      <p:ext uri="{BB962C8B-B14F-4D97-AF65-F5344CB8AC3E}">
+        <p14:creationId xmlns:p14="http://schemas.microsoft.com/office/powerpoint/2010/main" val="1245006378"/>
+      </p:ext>
+    </p:extLst>
+  </p:cSld>
+  <p:clrMapOvr>
+    <a:masterClrMapping/>
+  </p:clrMapOvr>
+  <mc:AlternateContent xmlns:mc="http://schemas.openxmlformats.org/markup-compatibility/2006" xmlns:p14="http://schemas.microsoft.com/office/powerpoint/2010/main">
+    <mc:Choice Requires="p14">
+      <p:transition spd="med" p14:dur="700">
+        <p:fade/>
+      </p:transition>
+    </mc:Choice>
+    <mc:Fallback xmlns="">
+      <p:transition spd="med">
+        <p:fade/>
+      </p:transition>
+    </mc:Fallback>
+  </mc:AlternateContent>
+</p:sld>
+</file>
+
+<file path=ppt/slides/slide21.xml><?xml version="1.0" encoding="utf-8"?>
 <p:sld xmlns:a="http://schemas.openxmlformats.org/drawingml/2006/main" xmlns:r="http://schemas.openxmlformats.org/officeDocument/2006/relationships" xmlns:p="http://schemas.openxmlformats.org/presentationml/2006/main">
   <p:cSld>
     <p:spTree>

--- a/機器學習-專案管理文件_許登雄.pptx
+++ b/機器學習-專案管理文件_許登雄.pptx
@@ -268,7 +268,7 @@
                 <a:latin typeface="Microsoft JhengHei UI" panose="020B0604030504040204" pitchFamily="34" charset="-120"/>
                 <a:ea typeface="Microsoft JhengHei UI" panose="020B0604030504040204" pitchFamily="34" charset="-120"/>
               </a:rPr>
-              <a:t>2019/10/16</a:t>
+              <a:t>2020/1/15</a:t>
             </a:fld>
             <a:endParaRPr lang="zh-TW" altLang="en-US">
               <a:latin typeface="Microsoft JhengHei UI" panose="020B0604030504040204" pitchFamily="34" charset="-120"/>
@@ -454,7 +454,7 @@
           <a:p>
             <a:fld id="{B0A587AB-C785-4ECC-B9BB-3D529D1F06DC}" type="datetime1">
               <a:rPr lang="zh-TW" altLang="en-US" noProof="0" smtClean="0"/>
-              <a:t>2019/10/16</a:t>
+              <a:t>2020/1/14</a:t>
             </a:fld>
             <a:endParaRPr lang="zh-TW" altLang="en-US" noProof="0" dirty="0"/>
           </a:p>
@@ -3342,7 +3342,7 @@
           <a:p>
             <a:fld id="{3CA771DD-A38A-4481-A79C-730E5B1B5857}" type="datetime1">
               <a:rPr lang="zh-TW" altLang="en-US" noProof="0" smtClean="0"/>
-              <a:t>2019/10/16</a:t>
+              <a:t>2020/1/14</a:t>
             </a:fld>
             <a:endParaRPr lang="zh-TW" altLang="en-US" noProof="0"/>
           </a:p>
@@ -3598,7 +3598,7 @@
           <a:p>
             <a:fld id="{E94E497E-7F6A-4129-AF0F-C48CFF1AF488}" type="datetime1">
               <a:rPr lang="zh-TW" altLang="en-US" noProof="0" smtClean="0"/>
-              <a:t>2019/10/16</a:t>
+              <a:t>2020/1/14</a:t>
             </a:fld>
             <a:endParaRPr lang="zh-TW" altLang="en-US" noProof="0"/>
           </a:p>
@@ -3864,7 +3864,7 @@
           <a:p>
             <a:fld id="{822B6A02-9721-4F58-ACE9-7BFC1D0501A2}" type="datetime1">
               <a:rPr lang="zh-TW" altLang="en-US" noProof="0" smtClean="0"/>
-              <a:t>2019/10/16</a:t>
+              <a:t>2020/1/14</a:t>
             </a:fld>
             <a:endParaRPr lang="zh-TW" altLang="en-US" noProof="0"/>
           </a:p>
@@ -4110,7 +4110,7 @@
           <a:p>
             <a:fld id="{6BC39405-04A1-40D1-8C59-854574ADCA20}" type="datetime1">
               <a:rPr lang="zh-TW" altLang="en-US" noProof="0" smtClean="0"/>
-              <a:t>2019/10/16</a:t>
+              <a:t>2020/1/14</a:t>
             </a:fld>
             <a:endParaRPr lang="zh-TW" altLang="en-US" noProof="0"/>
           </a:p>
@@ -4356,7 +4356,7 @@
           <a:p>
             <a:fld id="{D53C7591-9393-4596-B717-AAF1E714B2FC}" type="datetime1">
               <a:rPr lang="zh-TW" altLang="en-US" noProof="0" smtClean="0"/>
-              <a:t>2019/10/16</a:t>
+              <a:t>2020/1/14</a:t>
             </a:fld>
             <a:endParaRPr lang="zh-TW" altLang="en-US" noProof="0"/>
           </a:p>
@@ -4655,7 +4655,7 @@
           <a:p>
             <a:fld id="{2E2B4595-0FA5-4FB1-A6D5-B04F3226EA92}" type="datetime1">
               <a:rPr lang="zh-TW" altLang="en-US" noProof="0" smtClean="0"/>
-              <a:t>2019/10/16</a:t>
+              <a:t>2020/1/14</a:t>
             </a:fld>
             <a:endParaRPr lang="zh-TW" altLang="en-US" noProof="0"/>
           </a:p>
@@ -5022,7 +5022,7 @@
           <a:p>
             <a:fld id="{D82B1088-ABF4-4D7E-8CF9-245E76B6981B}" type="datetime1">
               <a:rPr lang="zh-TW" altLang="en-US" noProof="0" smtClean="0"/>
-              <a:t>2019/10/16</a:t>
+              <a:t>2020/1/14</a:t>
             </a:fld>
             <a:endParaRPr lang="zh-TW" altLang="en-US" noProof="0"/>
           </a:p>
@@ -5532,7 +5532,7 @@
           <a:p>
             <a:fld id="{13A3ACD3-58C2-42EE-9558-66F213414E20}" type="datetime1">
               <a:rPr lang="zh-TW" altLang="en-US" noProof="0" smtClean="0"/>
-              <a:t>2019/10/16</a:t>
+              <a:t>2020/1/14</a:t>
             </a:fld>
             <a:endParaRPr lang="zh-TW" altLang="en-US" noProof="0"/>
           </a:p>
@@ -5694,7 +5694,7 @@
           <a:p>
             <a:fld id="{FF083CC8-5257-4D37-8B3C-F40C8475F46E}" type="datetime1">
               <a:rPr lang="zh-TW" altLang="en-US" noProof="0" smtClean="0"/>
-              <a:t>2019/10/16</a:t>
+              <a:t>2020/1/14</a:t>
             </a:fld>
             <a:endParaRPr lang="zh-TW" altLang="en-US" noProof="0"/>
           </a:p>
@@ -5985,7 +5985,7 @@
           <a:p>
             <a:fld id="{000761D5-80DB-4139-BF6C-FFE0FE69F568}" type="datetime1">
               <a:rPr lang="zh-TW" altLang="en-US" noProof="0" smtClean="0"/>
-              <a:t>2019/10/16</a:t>
+              <a:t>2020/1/14</a:t>
             </a:fld>
             <a:endParaRPr lang="zh-TW" altLang="en-US" noProof="0"/>
           </a:p>
@@ -6380,7 +6380,7 @@
           <a:p>
             <a:fld id="{27E3E20B-2387-4C46-9A18-32ABD03809A7}" type="datetime1">
               <a:rPr lang="zh-TW" altLang="en-US" noProof="0" smtClean="0"/>
-              <a:t>2019/10/16</a:t>
+              <a:t>2020/1/14</a:t>
             </a:fld>
             <a:endParaRPr lang="zh-TW" altLang="en-US" noProof="0"/>
           </a:p>
@@ -6752,7 +6752,7 @@
           <a:p>
             <a:fld id="{06315862-59F7-4262-A86D-921CCAED8154}" type="datetime1">
               <a:rPr lang="zh-TW" altLang="en-US" noProof="0" smtClean="0"/>
-              <a:t>2019/10/16</a:t>
+              <a:t>2020/1/14</a:t>
             </a:fld>
             <a:endParaRPr lang="zh-TW" altLang="en-US" noProof="0"/>
           </a:p>
@@ -7326,7 +7326,7 @@
           <a:p>
             <a:fld id="{63A4AE2E-A8ED-46AC-BF15-D2D75BD090F4}" type="datetime1">
               <a:rPr lang="zh-TW" altLang="en-US" noProof="0" smtClean="0"/>
-              <a:t>2019/10/16</a:t>
+              <a:t>2020/1/14</a:t>
             </a:fld>
             <a:endParaRPr lang="zh-TW" altLang="en-US" noProof="0"/>
           </a:p>
@@ -7770,13 +7770,6 @@
               </a:rPr>
               <a:t>機器學習</a:t>
             </a:r>
-            <a:r>
-              <a:rPr lang="en-US" altLang="zh-TW" dirty="0">
-                <a:latin typeface="Microsoft JhengHei UI" panose="020B0604030504040204" pitchFamily="34" charset="-120"/>
-                <a:ea typeface="Microsoft JhengHei UI" panose="020B0604030504040204" pitchFamily="34" charset="-120"/>
-              </a:rPr>
-              <a:t/>
-            </a:r>
             <a:br>
               <a:rPr lang="en-US" altLang="zh-TW" dirty="0">
                 <a:latin typeface="Microsoft JhengHei UI" panose="020B0604030504040204" pitchFamily="34" charset="-120"/>
@@ -7806,38 +7799,72 @@
         </p:nvSpPr>
         <p:spPr/>
         <p:txBody>
-          <a:bodyPr rtlCol="0"/>
+          <a:bodyPr rtlCol="0">
+            <a:normAutofit fontScale="70000" lnSpcReduction="20000"/>
+          </a:bodyPr>
           <a:lstStyle/>
           <a:p>
             <a:pPr rtl="0"/>
             <a:r>
-              <a:rPr lang="zh-TW" altLang="en-US" dirty="0">
-                <a:latin typeface="Microsoft JhengHei UI" panose="020B0604030504040204" pitchFamily="34" charset="-120"/>
-                <a:ea typeface="Microsoft JhengHei UI" panose="020B0604030504040204" pitchFamily="34" charset="-120"/>
-              </a:rPr>
-              <a:t>電子</a:t>
-            </a:r>
-            <a:r>
-              <a:rPr lang="en-US" altLang="zh-TW" dirty="0">
-                <a:latin typeface="Microsoft JhengHei UI" panose="020B0604030504040204" pitchFamily="34" charset="-120"/>
-                <a:ea typeface="Microsoft JhengHei UI" panose="020B0604030504040204" pitchFamily="34" charset="-120"/>
-              </a:rPr>
-              <a:t>4</a:t>
+              <a:rPr lang="zh-TW" altLang="en-US" dirty="0"/>
+              <a:t>第一組</a:t>
+            </a:r>
+            <a:endParaRPr lang="en-US" altLang="zh-TW" dirty="0"/>
+          </a:p>
+          <a:p>
+            <a:pPr rtl="0"/>
+            <a:r>
+              <a:rPr lang="zh-TW" altLang="en-US" dirty="0"/>
+              <a:t>姓名</a:t>
             </a:r>
             <a:r>
               <a:rPr lang="en-US" altLang="zh-TW" dirty="0"/>
-              <a:t>A</a:t>
-            </a:r>
-            <a:r>
-              <a:rPr lang="en-US" altLang="zh-TW" dirty="0">
-                <a:latin typeface="Microsoft JhengHei UI" panose="020B0604030504040204" pitchFamily="34" charset="-120"/>
-                <a:ea typeface="Microsoft JhengHei UI" panose="020B0604030504040204" pitchFamily="34" charset="-120"/>
-              </a:rPr>
-              <a:t>| 0552045|</a:t>
+              <a:t>:</a:t>
             </a:r>
             <a:r>
               <a:rPr lang="zh-TW" altLang="en-US" dirty="0"/>
-              <a:t>許登雄</a:t>
+              <a:t>許登雄 </a:t>
+            </a:r>
+            <a:r>
+              <a:rPr lang="en-US" altLang="zh-TW" dirty="0"/>
+              <a:t>U0552045</a:t>
+            </a:r>
+          </a:p>
+          <a:p>
+            <a:r>
+              <a:rPr lang="zh-TW" altLang="en-US" dirty="0"/>
+              <a:t>姓名</a:t>
+            </a:r>
+            <a:r>
+              <a:rPr lang="en-US" altLang="zh-TW" dirty="0"/>
+              <a:t>:</a:t>
+            </a:r>
+            <a:r>
+              <a:rPr lang="zh-TW" altLang="en-US" dirty="0"/>
+              <a:t>石恩明 </a:t>
+            </a:r>
+            <a:r>
+              <a:rPr lang="en-GB" altLang="zh-TW" dirty="0"/>
+              <a:t>F108112116</a:t>
+            </a:r>
+            <a:endParaRPr lang="en-US" altLang="zh-TW" dirty="0"/>
+          </a:p>
+          <a:p>
+            <a:r>
+              <a:rPr lang="zh-TW" altLang="en-US" dirty="0"/>
+              <a:t>姓名</a:t>
+            </a:r>
+            <a:r>
+              <a:rPr lang="en-US" altLang="zh-TW" dirty="0"/>
+              <a:t>:</a:t>
+            </a:r>
+            <a:r>
+              <a:rPr lang="zh-TW" altLang="en-US" dirty="0"/>
+              <a:t>詹秉學 </a:t>
+            </a:r>
+            <a:r>
+              <a:rPr lang="en-GB" altLang="zh-TW" dirty="0"/>
+              <a:t>F108112125</a:t>
             </a:r>
             <a:endParaRPr lang="zh-TW" altLang="en-US" dirty="0">
               <a:latin typeface="Microsoft JhengHei UI" panose="020B0604030504040204" pitchFamily="34" charset="-120"/>
@@ -10346,7 +10373,7 @@
           <a:lstStyle/>
           <a:p>
             <a:pPr algn="ctr"/>
-            <a:endParaRPr lang="zh-TW" altLang="en-US" dirty="0" err="1" smtClean="0"/>
+            <a:endParaRPr lang="zh-TW" altLang="en-US" dirty="0" err="1"/>
           </a:p>
         </p:txBody>
       </p:sp>
@@ -10381,10 +10408,10 @@
           <a:lstStyle/>
           <a:p>
             <a:r>
-              <a:rPr lang="zh-TW" altLang="en-US" smtClean="0"/>
+              <a:rPr lang="zh-TW" altLang="en-US"/>
               <a:t>預測結果</a:t>
             </a:r>
-            <a:endParaRPr lang="zh-TW" altLang="en-US" dirty="0" smtClean="0"/>
+            <a:endParaRPr lang="zh-TW" altLang="en-US" dirty="0"/>
           </a:p>
         </p:txBody>
       </p:sp>
@@ -10410,13 +10437,6 @@
       </p:transition>
     </mc:Fallback>
   </mc:AlternateContent>
-  <p:timing>
-    <p:tnLst>
-      <p:par>
-        <p:cTn id="1" dur="indefinite" restart="never" nodeType="tmRoot"/>
-      </p:par>
-    </p:tnLst>
-  </p:timing>
 </p:sld>
 </file>
 
@@ -11266,14 +11286,14 @@
           <a:lstStyle/>
           <a:p>
             <a:r>
-              <a:rPr lang="zh-TW" altLang="en-US" dirty="0" smtClean="0"/>
+              <a:rPr lang="zh-TW" altLang="en-US" dirty="0"/>
               <a:t>分類</a:t>
             </a:r>
             <a:r>
-              <a:rPr lang="en-US" altLang="zh-TW" dirty="0" smtClean="0"/>
+              <a:rPr lang="en-US" altLang="zh-TW" dirty="0"/>
               <a:t>(Y)</a:t>
             </a:r>
-            <a:endParaRPr lang="zh-TW" altLang="en-US" dirty="0" smtClean="0"/>
+            <a:endParaRPr lang="zh-TW" altLang="en-US" dirty="0"/>
           </a:p>
         </p:txBody>
       </p:sp>
@@ -11564,10 +11584,9 @@
           <a:lstStyle/>
           <a:p>
             <a:r>
-              <a:rPr lang="zh-TW" altLang="en-US" dirty="0" smtClean="0"/>
+              <a:rPr lang="zh-TW" altLang="en-US" dirty="0"/>
               <a:t>球的座標與分類筆數分布</a:t>
             </a:r>
-            <a:endParaRPr lang="zh-TW" altLang="en-US" dirty="0"/>
           </a:p>
         </p:txBody>
       </p:sp>
@@ -11652,10 +11671,10 @@
           <a:lstStyle/>
           <a:p>
             <a:r>
-              <a:rPr lang="en-US" altLang="zh-TW" dirty="0" smtClean="0"/>
+              <a:rPr lang="en-US" altLang="zh-TW" dirty="0"/>
               <a:t>BallX</a:t>
             </a:r>
-            <a:endParaRPr lang="zh-TW" altLang="en-US" dirty="0" smtClean="0"/>
+            <a:endParaRPr lang="zh-TW" altLang="en-US" dirty="0"/>
           </a:p>
         </p:txBody>
       </p:sp>
@@ -11692,10 +11711,10 @@
           <a:lstStyle/>
           <a:p>
             <a:r>
-              <a:rPr lang="en-US" altLang="zh-TW" dirty="0" smtClean="0"/>
+              <a:rPr lang="en-US" altLang="zh-TW" dirty="0"/>
               <a:t>BallY</a:t>
             </a:r>
-            <a:endParaRPr lang="zh-TW" altLang="en-US" dirty="0" smtClean="0"/>
+            <a:endParaRPr lang="zh-TW" altLang="en-US" dirty="0"/>
           </a:p>
         </p:txBody>
       </p:sp>
@@ -11986,26 +12005,25 @@
           <a:lstStyle/>
           <a:p>
             <a:r>
-              <a:rPr lang="zh-TW" altLang="en-US" dirty="0" smtClean="0"/>
+              <a:rPr lang="zh-TW" altLang="en-US" dirty="0"/>
               <a:t>移動方向</a:t>
             </a:r>
             <a:r>
-              <a:rPr lang="en-US" altLang="zh-TW" dirty="0" smtClean="0"/>
+              <a:rPr lang="en-US" altLang="zh-TW" dirty="0"/>
               <a:t>(VX</a:t>
             </a:r>
             <a:r>
-              <a:rPr lang="zh-TW" altLang="en-US" dirty="0" smtClean="0"/>
+              <a:rPr lang="zh-TW" altLang="en-US" dirty="0"/>
               <a:t>，</a:t>
             </a:r>
             <a:r>
-              <a:rPr lang="en-US" altLang="zh-TW" dirty="0" smtClean="0"/>
+              <a:rPr lang="en-US" altLang="zh-TW" dirty="0"/>
               <a:t>VY)</a:t>
             </a:r>
             <a:r>
-              <a:rPr lang="zh-TW" altLang="en-US" dirty="0" smtClean="0"/>
+              <a:rPr lang="zh-TW" altLang="en-US" dirty="0"/>
               <a:t>與分類筆數分布</a:t>
             </a:r>
-            <a:endParaRPr lang="zh-TW" altLang="en-US" dirty="0"/>
           </a:p>
         </p:txBody>
       </p:sp>
@@ -12090,10 +12108,10 @@
           <a:lstStyle/>
           <a:p>
             <a:r>
-              <a:rPr lang="en-US" altLang="zh-TW" dirty="0" smtClean="0"/>
+              <a:rPr lang="en-US" altLang="zh-TW" dirty="0"/>
               <a:t>VX</a:t>
             </a:r>
-            <a:endParaRPr lang="zh-TW" altLang="en-US" dirty="0" smtClean="0"/>
+            <a:endParaRPr lang="zh-TW" altLang="en-US" dirty="0"/>
           </a:p>
         </p:txBody>
       </p:sp>
@@ -12130,10 +12148,10 @@
           <a:lstStyle/>
           <a:p>
             <a:r>
-              <a:rPr lang="en-US" altLang="zh-TW" dirty="0" smtClean="0"/>
+              <a:rPr lang="en-US" altLang="zh-TW" dirty="0"/>
               <a:t>VY</a:t>
             </a:r>
-            <a:endParaRPr lang="zh-TW" altLang="en-US" dirty="0" smtClean="0"/>
+            <a:endParaRPr lang="zh-TW" altLang="en-US" dirty="0"/>
           </a:p>
         </p:txBody>
       </p:sp>
@@ -12448,18 +12466,17 @@
           <a:lstStyle/>
           <a:p>
             <a:r>
-              <a:rPr lang="zh-TW" altLang="en-US" dirty="0" smtClean="0"/>
+              <a:rPr lang="zh-TW" altLang="en-US" dirty="0"/>
               <a:t>平板位置</a:t>
             </a:r>
             <a:r>
-              <a:rPr lang="en-US" altLang="zh-TW" dirty="0" smtClean="0"/>
+              <a:rPr lang="en-US" altLang="zh-TW" dirty="0"/>
               <a:t>(X)</a:t>
             </a:r>
             <a:r>
-              <a:rPr lang="zh-TW" altLang="en-US" dirty="0" smtClean="0"/>
+              <a:rPr lang="zh-TW" altLang="en-US" dirty="0"/>
               <a:t>與分類筆數分布</a:t>
             </a:r>
-            <a:endParaRPr lang="zh-TW" altLang="en-US" dirty="0"/>
           </a:p>
         </p:txBody>
       </p:sp>
@@ -12496,10 +12513,10 @@
           <a:lstStyle/>
           <a:p>
             <a:r>
-              <a:rPr lang="en-US" altLang="zh-TW" dirty="0" smtClean="0"/>
+              <a:rPr lang="en-US" altLang="zh-TW" dirty="0"/>
               <a:t>PlatX</a:t>
             </a:r>
-            <a:endParaRPr lang="zh-TW" altLang="en-US" dirty="0" smtClean="0"/>
+            <a:endParaRPr lang="zh-TW" altLang="en-US" dirty="0"/>
           </a:p>
         </p:txBody>
       </p:sp>
@@ -12609,13 +12626,9 @@
           <a:p>
             <a:r>
               <a:rPr lang="en-US" altLang="zh-TW" dirty="0"/>
-              <a:t>V</a:t>
-            </a:r>
-            <a:r>
-              <a:rPr lang="en-US" altLang="zh-TW" dirty="0" smtClean="0"/>
-              <a:t>Y</a:t>
-            </a:r>
-            <a:endParaRPr lang="zh-TW" altLang="en-US" dirty="0" smtClean="0"/>
+              <a:t>VY</a:t>
+            </a:r>
+            <a:endParaRPr lang="zh-TW" altLang="en-US" dirty="0"/>
           </a:p>
         </p:txBody>
       </p:sp>
@@ -12941,10 +12954,10 @@
           <a:lstStyle/>
           <a:p>
             <a:r>
-              <a:rPr lang="en-US" altLang="zh-TW" dirty="0" smtClean="0"/>
+              <a:rPr lang="en-US" altLang="zh-TW" dirty="0"/>
               <a:t>VX</a:t>
             </a:r>
-            <a:endParaRPr lang="zh-TW" altLang="en-US" dirty="0" smtClean="0"/>
+            <a:endParaRPr lang="zh-TW" altLang="en-US" dirty="0"/>
           </a:p>
         </p:txBody>
       </p:sp>
@@ -13294,10 +13307,10 @@
           <a:lstStyle/>
           <a:p>
             <a:r>
-              <a:rPr lang="en-US" altLang="zh-TW" dirty="0" smtClean="0"/>
+              <a:rPr lang="en-US" altLang="zh-TW" dirty="0"/>
               <a:t>BallY</a:t>
             </a:r>
-            <a:endParaRPr lang="zh-TW" altLang="en-US" dirty="0" smtClean="0"/>
+            <a:endParaRPr lang="zh-TW" altLang="en-US" dirty="0"/>
           </a:p>
         </p:txBody>
       </p:sp>
@@ -13334,10 +13347,10 @@
           <a:lstStyle/>
           <a:p>
             <a:r>
-              <a:rPr lang="en-US" altLang="zh-TW" dirty="0" smtClean="0"/>
+              <a:rPr lang="en-US" altLang="zh-TW" dirty="0"/>
               <a:t>BallX</a:t>
             </a:r>
-            <a:endParaRPr lang="zh-TW" altLang="en-US" dirty="0" smtClean="0"/>
+            <a:endParaRPr lang="zh-TW" altLang="en-US" dirty="0"/>
           </a:p>
         </p:txBody>
       </p:sp>
@@ -13664,7 +13677,7 @@
               <a:t>分析</a:t>
             </a:r>
             <a:r>
-              <a:rPr lang="en-US" altLang="zh-TW" dirty="0" smtClean="0">
+              <a:rPr lang="en-US" altLang="zh-TW" dirty="0">
                 <a:latin typeface="Microsoft JhengHei UI" panose="020B0604030504040204" pitchFamily="34" charset="-120"/>
                 <a:ea typeface="Microsoft JhengHei UI" panose="020B0604030504040204" pitchFamily="34" charset="-120"/>
               </a:rPr>
@@ -13674,13 +13687,7 @@
               <a:rPr lang="zh-TW" altLang="en-US" dirty="0">
                 <a:sym typeface="Wingdings" panose="05000000000000000000" pitchFamily="2" charset="2"/>
               </a:rPr>
-              <a:t>密笈</a:t>
-            </a:r>
-            <a:r>
-              <a:rPr lang="zh-TW" altLang="en-US" dirty="0" smtClean="0">
-                <a:sym typeface="Wingdings" panose="05000000000000000000" pitchFamily="2" charset="2"/>
-              </a:rPr>
-              <a:t>分享</a:t>
+              <a:t>密笈分享</a:t>
             </a:r>
             <a:endParaRPr lang="zh-TW" altLang="en-US" dirty="0">
               <a:latin typeface="Microsoft JhengHei UI" panose="020B0604030504040204" pitchFamily="34" charset="-120"/>
@@ -13712,65 +13719,65 @@
           <a:lstStyle/>
           <a:p>
             <a:r>
-              <a:rPr lang="zh-TW" altLang="en-US" dirty="0" smtClean="0">
+              <a:rPr lang="zh-TW" altLang="en-US" dirty="0">
                 <a:sym typeface="Wingdings" panose="05000000000000000000" pitchFamily="2" charset="2"/>
               </a:rPr>
               <a:t>樣本精準度</a:t>
             </a:r>
-            <a:endParaRPr lang="en-US" altLang="zh-TW" dirty="0" smtClean="0">
+            <a:endParaRPr lang="en-US" altLang="zh-TW" dirty="0">
               <a:sym typeface="Wingdings" panose="05000000000000000000" pitchFamily="2" charset="2"/>
             </a:endParaRPr>
           </a:p>
           <a:p>
             <a:r>
-              <a:rPr lang="zh-TW" altLang="en-US" dirty="0" smtClean="0">
+              <a:rPr lang="zh-TW" altLang="en-US" dirty="0">
                 <a:sym typeface="Wingdings" panose="05000000000000000000" pitchFamily="2" charset="2"/>
               </a:rPr>
               <a:t>理解演算法的訓練原理</a:t>
             </a:r>
-            <a:endParaRPr lang="en-US" altLang="zh-TW" dirty="0" smtClean="0">
+            <a:endParaRPr lang="en-US" altLang="zh-TW" dirty="0">
               <a:sym typeface="Wingdings" panose="05000000000000000000" pitchFamily="2" charset="2"/>
             </a:endParaRPr>
           </a:p>
           <a:p>
             <a:r>
-              <a:rPr lang="zh-TW" altLang="en-US" dirty="0" smtClean="0">
+              <a:rPr lang="zh-TW" altLang="en-US" dirty="0">
                 <a:sym typeface="Wingdings" panose="05000000000000000000" pitchFamily="2" charset="2"/>
               </a:rPr>
               <a:t>善用正規化等工具</a:t>
             </a:r>
-            <a:endParaRPr lang="en-US" altLang="zh-TW" dirty="0" smtClean="0">
+            <a:endParaRPr lang="en-US" altLang="zh-TW" dirty="0">
               <a:sym typeface="Wingdings" panose="05000000000000000000" pitchFamily="2" charset="2"/>
             </a:endParaRPr>
           </a:p>
           <a:p>
             <a:r>
-              <a:rPr lang="zh-TW" altLang="en-US" dirty="0" smtClean="0">
+              <a:rPr lang="zh-TW" altLang="en-US" dirty="0">
                 <a:sym typeface="Wingdings" panose="05000000000000000000" pitchFamily="2" charset="2"/>
               </a:rPr>
               <a:t>適當的清理樣本</a:t>
             </a:r>
             <a:r>
-              <a:rPr lang="en-US" altLang="zh-TW" dirty="0" smtClean="0">
+              <a:rPr lang="en-US" altLang="zh-TW" dirty="0">
                 <a:sym typeface="Wingdings" panose="05000000000000000000" pitchFamily="2" charset="2"/>
               </a:rPr>
               <a:t>(</a:t>
             </a:r>
             <a:r>
-              <a:rPr lang="zh-TW" altLang="en-US" dirty="0" smtClean="0">
+              <a:rPr lang="zh-TW" altLang="en-US" dirty="0">
                 <a:sym typeface="Wingdings" panose="05000000000000000000" pitchFamily="2" charset="2"/>
               </a:rPr>
               <a:t>雜訊</a:t>
             </a:r>
             <a:r>
-              <a:rPr lang="en-US" altLang="zh-TW" dirty="0" smtClean="0">
+              <a:rPr lang="en-US" altLang="zh-TW" dirty="0">
                 <a:sym typeface="Wingdings" panose="05000000000000000000" pitchFamily="2" charset="2"/>
               </a:rPr>
               <a:t>)</a:t>
             </a:r>
           </a:p>
           <a:p>
-            <a:endParaRPr lang="en-US" altLang="zh-TW" dirty="0" smtClean="0">
+            <a:endParaRPr lang="en-US" altLang="zh-TW" dirty="0">
               <a:sym typeface="Wingdings" panose="05000000000000000000" pitchFamily="2" charset="2"/>
             </a:endParaRPr>
           </a:p>
@@ -13909,10 +13916,10 @@
           <a:lstStyle/>
           <a:p>
             <a:r>
-              <a:rPr lang="en-US" altLang="zh-TW" dirty="0" smtClean="0"/>
+              <a:rPr lang="en-US" altLang="zh-TW" dirty="0"/>
               <a:t>PlatX</a:t>
             </a:r>
-            <a:endParaRPr lang="zh-TW" altLang="en-US" dirty="0" smtClean="0"/>
+            <a:endParaRPr lang="zh-TW" altLang="en-US" dirty="0"/>
           </a:p>
         </p:txBody>
       </p:sp>
@@ -15757,20 +15764,8 @@
           <a:p>
             <a:pPr algn="ctr"/>
             <a:r>
-              <a:rPr lang="zh-TW" altLang="en-US" sz="1200" dirty="0" smtClean="0"/>
-              <a:t>可</a:t>
-            </a:r>
-            <a:r>
               <a:rPr lang="zh-TW" altLang="en-US" sz="1200" dirty="0"/>
-              <a:t>視</a:t>
-            </a:r>
-            <a:r>
-              <a:rPr lang="zh-TW" altLang="en-US" sz="1200" dirty="0" smtClean="0"/>
-              <a:t>化工</a:t>
-            </a:r>
-            <a:r>
-              <a:rPr lang="zh-TW" altLang="en-US" sz="1200" dirty="0"/>
-              <a:t>具</a:t>
+              <a:t>可視化工具</a:t>
             </a:r>
             <a:endParaRPr lang="en-US" altLang="zh-TW" sz="1200" dirty="0"/>
           </a:p>
@@ -15880,34 +15875,13 @@
           <a:lstStyle/>
           <a:p>
             <a:r>
-              <a:rPr lang="zh-TW" altLang="en-US" dirty="0" smtClean="0">
-                <a:solidFill>
-                  <a:srgbClr val="FF0000"/>
-                </a:solidFill>
-              </a:rPr>
-              <a:t>檢</a:t>
-            </a:r>
-            <a:r>
               <a:rPr lang="zh-TW" altLang="en-US" dirty="0">
                 <a:solidFill>
                   <a:srgbClr val="FF0000"/>
                 </a:solidFill>
               </a:rPr>
-              <a:t>視</a:t>
-            </a:r>
-            <a:r>
-              <a:rPr lang="zh-TW" altLang="en-US" dirty="0" smtClean="0">
-                <a:solidFill>
-                  <a:srgbClr val="FF0000"/>
-                </a:solidFill>
-              </a:rPr>
-              <a:t>資料分布</a:t>
-            </a:r>
-            <a:endParaRPr lang="zh-TW" altLang="en-US" dirty="0">
-              <a:solidFill>
-                <a:srgbClr val="FF0000"/>
-              </a:solidFill>
-            </a:endParaRPr>
+              <a:t>檢視資料分布</a:t>
+            </a:r>
           </a:p>
         </p:txBody>
       </p:sp>
@@ -15937,7 +15911,7 @@
           <a:lstStyle/>
           <a:p>
             <a:r>
-              <a:rPr lang="zh-TW" altLang="en-US" dirty="0" smtClean="0"/>
+              <a:rPr lang="zh-TW" altLang="en-US" dirty="0"/>
               <a:t>修改訓練樣本</a:t>
             </a:r>
           </a:p>
